--- a/99_進捗・会議用/パワポ/pptx/ワンシート企画書 Team SilenceFujita.pptx
+++ b/99_進捗・会議用/パワポ/pptx/ワンシート企画書 Team SilenceFujita.pptx
@@ -197,7 +197,7 @@
           <a:p>
             <a:fld id="{514419FB-9B64-4185-9352-0721F34F08A9}" type="datetimeFigureOut">
               <a:rPr kumimoji="1" lang="ja-JP" altLang="en-US" smtClean="0"/>
-              <a:t>2022/12/8</a:t>
+              <a:t>2023/1/11</a:t>
             </a:fld>
             <a:endParaRPr kumimoji="1" lang="ja-JP" altLang="en-US"/>
           </a:p>
@@ -711,7 +711,7 @@
           <a:p>
             <a:fld id="{BDFA2778-50D7-44AC-BA59-09A18B804136}" type="datetimeFigureOut">
               <a:rPr kumimoji="1" lang="ja-JP" altLang="en-US" smtClean="0"/>
-              <a:t>2022/12/8</a:t>
+              <a:t>2023/1/11</a:t>
             </a:fld>
             <a:endParaRPr kumimoji="1" lang="ja-JP" altLang="en-US"/>
           </a:p>
@@ -913,7 +913,7 @@
           <a:p>
             <a:fld id="{BDFA2778-50D7-44AC-BA59-09A18B804136}" type="datetimeFigureOut">
               <a:rPr kumimoji="1" lang="ja-JP" altLang="en-US" smtClean="0"/>
-              <a:t>2022/12/8</a:t>
+              <a:t>2023/1/11</a:t>
             </a:fld>
             <a:endParaRPr kumimoji="1" lang="ja-JP" altLang="en-US"/>
           </a:p>
@@ -1125,7 +1125,7 @@
           <a:p>
             <a:fld id="{BDFA2778-50D7-44AC-BA59-09A18B804136}" type="datetimeFigureOut">
               <a:rPr kumimoji="1" lang="ja-JP" altLang="en-US" smtClean="0"/>
-              <a:t>2022/12/8</a:t>
+              <a:t>2023/1/11</a:t>
             </a:fld>
             <a:endParaRPr kumimoji="1" lang="ja-JP" altLang="en-US"/>
           </a:p>
@@ -1327,7 +1327,7 @@
           <a:p>
             <a:fld id="{BDFA2778-50D7-44AC-BA59-09A18B804136}" type="datetimeFigureOut">
               <a:rPr kumimoji="1" lang="ja-JP" altLang="en-US" smtClean="0"/>
-              <a:t>2022/12/8</a:t>
+              <a:t>2023/1/11</a:t>
             </a:fld>
             <a:endParaRPr kumimoji="1" lang="ja-JP" altLang="en-US"/>
           </a:p>
@@ -1571,7 +1571,7 @@
           <a:p>
             <a:fld id="{BDFA2778-50D7-44AC-BA59-09A18B804136}" type="datetimeFigureOut">
               <a:rPr kumimoji="1" lang="ja-JP" altLang="en-US" smtClean="0"/>
-              <a:t>2022/12/8</a:t>
+              <a:t>2023/1/11</a:t>
             </a:fld>
             <a:endParaRPr kumimoji="1" lang="ja-JP" altLang="en-US"/>
           </a:p>
@@ -1867,7 +1867,7 @@
           <a:p>
             <a:fld id="{BDFA2778-50D7-44AC-BA59-09A18B804136}" type="datetimeFigureOut">
               <a:rPr kumimoji="1" lang="ja-JP" altLang="en-US" smtClean="0"/>
-              <a:t>2022/12/8</a:t>
+              <a:t>2023/1/11</a:t>
             </a:fld>
             <a:endParaRPr kumimoji="1" lang="ja-JP" altLang="en-US"/>
           </a:p>
@@ -2298,7 +2298,7 @@
           <a:p>
             <a:fld id="{BDFA2778-50D7-44AC-BA59-09A18B804136}" type="datetimeFigureOut">
               <a:rPr kumimoji="1" lang="ja-JP" altLang="en-US" smtClean="0"/>
-              <a:t>2022/12/8</a:t>
+              <a:t>2023/1/11</a:t>
             </a:fld>
             <a:endParaRPr kumimoji="1" lang="ja-JP" altLang="en-US"/>
           </a:p>
@@ -2416,7 +2416,7 @@
           <a:p>
             <a:fld id="{BDFA2778-50D7-44AC-BA59-09A18B804136}" type="datetimeFigureOut">
               <a:rPr kumimoji="1" lang="ja-JP" altLang="en-US" smtClean="0"/>
-              <a:t>2022/12/8</a:t>
+              <a:t>2023/1/11</a:t>
             </a:fld>
             <a:endParaRPr kumimoji="1" lang="ja-JP" altLang="en-US"/>
           </a:p>
@@ -2511,7 +2511,7 @@
           <a:p>
             <a:fld id="{BDFA2778-50D7-44AC-BA59-09A18B804136}" type="datetimeFigureOut">
               <a:rPr kumimoji="1" lang="ja-JP" altLang="en-US" smtClean="0"/>
-              <a:t>2022/12/8</a:t>
+              <a:t>2023/1/11</a:t>
             </a:fld>
             <a:endParaRPr kumimoji="1" lang="ja-JP" altLang="en-US"/>
           </a:p>
@@ -2820,7 +2820,7 @@
           <a:p>
             <a:fld id="{BDFA2778-50D7-44AC-BA59-09A18B804136}" type="datetimeFigureOut">
               <a:rPr kumimoji="1" lang="ja-JP" altLang="en-US" smtClean="0"/>
-              <a:t>2022/12/8</a:t>
+              <a:t>2023/1/11</a:t>
             </a:fld>
             <a:endParaRPr kumimoji="1" lang="ja-JP" altLang="en-US"/>
           </a:p>
@@ -3077,7 +3077,7 @@
           <a:p>
             <a:fld id="{BDFA2778-50D7-44AC-BA59-09A18B804136}" type="datetimeFigureOut">
               <a:rPr kumimoji="1" lang="ja-JP" altLang="en-US" smtClean="0"/>
-              <a:t>2022/12/8</a:t>
+              <a:t>2023/1/11</a:t>
             </a:fld>
             <a:endParaRPr kumimoji="1" lang="ja-JP" altLang="en-US"/>
           </a:p>
@@ -3322,7 +3322,7 @@
           <a:p>
             <a:fld id="{BDFA2778-50D7-44AC-BA59-09A18B804136}" type="datetimeFigureOut">
               <a:rPr kumimoji="1" lang="ja-JP" altLang="en-US" smtClean="0"/>
-              <a:t>2022/12/8</a:t>
+              <a:t>2023/1/11</a:t>
             </a:fld>
             <a:endParaRPr kumimoji="1" lang="ja-JP" altLang="en-US"/>
           </a:p>
